--- a/module-7/assignment-1.pptx
+++ b/module-7/assignment-1.pptx
@@ -4006,7 +4006,9 @@
         </p:nvSpPr>
         <p:spPr/>
         <p:txBody>
-          <a:bodyPr/>
+          <a:bodyPr>
+            <a:normAutofit fontScale="92500" lnSpcReduction="20000"/>
+          </a:bodyPr>
           <a:lstStyle/>
           <a:p>
             <a:r>
@@ -4023,8 +4025,26 @@
           <a:p>
             <a:r>
               <a:rPr lang="it-IT" dirty="0"/>
+              <a:t>Module 7.2 Assignment</a:t>
+            </a:r>
+          </a:p>
+          <a:p>
+            <a:r>
+              <a:rPr lang="it-IT" dirty="0"/>
               <a:t>2/15/2025</a:t>
             </a:r>
+          </a:p>
+          <a:p>
+            <a:r>
+              <a:rPr lang="it-IT" dirty="0">
+                <a:hlinkClick r:id="rId2"/>
+              </a:rPr>
+              <a:t>https://github.com/VanhSom/csd-380.git</a:t>
+            </a:r>
+            <a:endParaRPr lang="it-IT" dirty="0"/>
+          </a:p>
+          <a:p>
+            <a:endParaRPr lang="it-IT" dirty="0"/>
           </a:p>
         </p:txBody>
       </p:sp>
